--- a/report/presentation.pptx
+++ b/report/presentation.pptx
@@ -278,7 +278,7 @@
           <a:p>
             <a:fld id="{0317F239-EE01-4A70-A7D1-E3DF21DB9FCB}" type="datetimeFigureOut">
               <a:rPr lang="ko-KR" altLang="en-US" smtClean="0"/>
-              <a:t>2020. 4. 4.</a:t>
+              <a:t>2020. 4. 5.</a:t>
             </a:fld>
             <a:endParaRPr lang="ko-KR" altLang="en-US"/>
           </a:p>
@@ -476,7 +476,7 @@
           <a:p>
             <a:fld id="{0317F239-EE01-4A70-A7D1-E3DF21DB9FCB}" type="datetimeFigureOut">
               <a:rPr lang="ko-KR" altLang="en-US" smtClean="0"/>
-              <a:t>2020. 4. 4.</a:t>
+              <a:t>2020. 4. 5.</a:t>
             </a:fld>
             <a:endParaRPr lang="ko-KR" altLang="en-US"/>
           </a:p>
@@ -684,7 +684,7 @@
           <a:p>
             <a:fld id="{0317F239-EE01-4A70-A7D1-E3DF21DB9FCB}" type="datetimeFigureOut">
               <a:rPr lang="ko-KR" altLang="en-US" smtClean="0"/>
-              <a:t>2020. 4. 4.</a:t>
+              <a:t>2020. 4. 5.</a:t>
             </a:fld>
             <a:endParaRPr lang="ko-KR" altLang="en-US"/>
           </a:p>
@@ -882,7 +882,7 @@
           <a:p>
             <a:fld id="{0317F239-EE01-4A70-A7D1-E3DF21DB9FCB}" type="datetimeFigureOut">
               <a:rPr lang="ko-KR" altLang="en-US" smtClean="0"/>
-              <a:t>2020. 4. 4.</a:t>
+              <a:t>2020. 4. 5.</a:t>
             </a:fld>
             <a:endParaRPr lang="ko-KR" altLang="en-US"/>
           </a:p>
@@ -1157,7 +1157,7 @@
           <a:p>
             <a:fld id="{0317F239-EE01-4A70-A7D1-E3DF21DB9FCB}" type="datetimeFigureOut">
               <a:rPr lang="ko-KR" altLang="en-US" smtClean="0"/>
-              <a:t>2020. 4. 4.</a:t>
+              <a:t>2020. 4. 5.</a:t>
             </a:fld>
             <a:endParaRPr lang="ko-KR" altLang="en-US"/>
           </a:p>
@@ -1422,7 +1422,7 @@
           <a:p>
             <a:fld id="{0317F239-EE01-4A70-A7D1-E3DF21DB9FCB}" type="datetimeFigureOut">
               <a:rPr lang="ko-KR" altLang="en-US" smtClean="0"/>
-              <a:t>2020. 4. 4.</a:t>
+              <a:t>2020. 4. 5.</a:t>
             </a:fld>
             <a:endParaRPr lang="ko-KR" altLang="en-US"/>
           </a:p>
@@ -1834,7 +1834,7 @@
           <a:p>
             <a:fld id="{0317F239-EE01-4A70-A7D1-E3DF21DB9FCB}" type="datetimeFigureOut">
               <a:rPr lang="ko-KR" altLang="en-US" smtClean="0"/>
-              <a:t>2020. 4. 4.</a:t>
+              <a:t>2020. 4. 5.</a:t>
             </a:fld>
             <a:endParaRPr lang="ko-KR" altLang="en-US"/>
           </a:p>
@@ -1975,7 +1975,7 @@
           <a:p>
             <a:fld id="{0317F239-EE01-4A70-A7D1-E3DF21DB9FCB}" type="datetimeFigureOut">
               <a:rPr lang="ko-KR" altLang="en-US" smtClean="0"/>
-              <a:t>2020. 4. 4.</a:t>
+              <a:t>2020. 4. 5.</a:t>
             </a:fld>
             <a:endParaRPr lang="ko-KR" altLang="en-US"/>
           </a:p>
@@ -2088,7 +2088,7 @@
           <a:p>
             <a:fld id="{0317F239-EE01-4A70-A7D1-E3DF21DB9FCB}" type="datetimeFigureOut">
               <a:rPr lang="ko-KR" altLang="en-US" smtClean="0"/>
-              <a:t>2020. 4. 4.</a:t>
+              <a:t>2020. 4. 5.</a:t>
             </a:fld>
             <a:endParaRPr lang="ko-KR" altLang="en-US"/>
           </a:p>
@@ -2399,7 +2399,7 @@
           <a:p>
             <a:fld id="{0317F239-EE01-4A70-A7D1-E3DF21DB9FCB}" type="datetimeFigureOut">
               <a:rPr lang="ko-KR" altLang="en-US" smtClean="0"/>
-              <a:t>2020. 4. 4.</a:t>
+              <a:t>2020. 4. 5.</a:t>
             </a:fld>
             <a:endParaRPr lang="ko-KR" altLang="en-US"/>
           </a:p>
@@ -2687,7 +2687,7 @@
           <a:p>
             <a:fld id="{0317F239-EE01-4A70-A7D1-E3DF21DB9FCB}" type="datetimeFigureOut">
               <a:rPr lang="ko-KR" altLang="en-US" smtClean="0"/>
-              <a:t>2020. 4. 4.</a:t>
+              <a:t>2020. 4. 5.</a:t>
             </a:fld>
             <a:endParaRPr lang="ko-KR" altLang="en-US"/>
           </a:p>
@@ -2928,7 +2928,7 @@
           <a:p>
             <a:fld id="{0317F239-EE01-4A70-A7D1-E3DF21DB9FCB}" type="datetimeFigureOut">
               <a:rPr lang="ko-KR" altLang="en-US" smtClean="0"/>
-              <a:t>2020. 4. 4.</a:t>
+              <a:t>2020. 4. 5.</a:t>
             </a:fld>
             <a:endParaRPr lang="ko-KR" altLang="en-US"/>
           </a:p>
@@ -6408,7 +6408,7 @@
                 <a:ea typeface="D2Coding" charset="-127"/>
                 <a:cs typeface="D2Coding" charset="-127"/>
               </a:rPr>
-              <a:t>Pros</a:t>
+              <a:t>Advantages</a:t>
             </a:r>
           </a:p>
           <a:p>
@@ -6463,7 +6463,7 @@
                 <a:ea typeface="D2Coding" charset="-127"/>
                 <a:cs typeface="D2Coding" charset="-127"/>
               </a:rPr>
-              <a:t>Cons</a:t>
+              <a:t>Disadvantages</a:t>
             </a:r>
           </a:p>
           <a:p>
@@ -6747,7 +6747,7 @@
                 <a:ea typeface="D2Coding" charset="-127"/>
                 <a:cs typeface="D2Coding" charset="-127"/>
               </a:rPr>
-              <a:t>Pros</a:t>
+              <a:t>Advantages</a:t>
             </a:r>
           </a:p>
           <a:p>
@@ -6772,7 +6772,7 @@
                 <a:ea typeface="D2Coding" charset="-127"/>
                 <a:cs typeface="D2Coding" charset="-127"/>
               </a:rPr>
-              <a:t>Cons</a:t>
+              <a:t>Disadvantages</a:t>
             </a:r>
           </a:p>
           <a:p>
@@ -6937,7 +6937,7 @@
         </p:spPr>
         <p:txBody>
           <a:bodyPr>
-            <a:normAutofit lnSpcReduction="10000"/>
+            <a:normAutofit fontScale="92500" lnSpcReduction="10000"/>
           </a:bodyPr>
           <a:lstStyle/>
           <a:p>
@@ -7040,7 +7040,7 @@
                 <a:ea typeface="D2Coding" charset="-127"/>
                 <a:cs typeface="D2Coding" charset="-127"/>
               </a:rPr>
-              <a:t>Pros</a:t>
+              <a:t>Advantages</a:t>
             </a:r>
           </a:p>
           <a:p>
@@ -7065,7 +7065,7 @@
                 <a:ea typeface="D2Coding" charset="-127"/>
                 <a:cs typeface="D2Coding" charset="-127"/>
               </a:rPr>
-              <a:t>Cons</a:t>
+              <a:t>Disadvantages</a:t>
             </a:r>
           </a:p>
           <a:p>
@@ -7509,7 +7509,7 @@
             <p:ph idx="1"/>
             <p:extLst>
               <p:ext uri="{D42A27DB-BD31-4B8C-83A1-F6EECF244321}">
-                <p14:modId xmlns:p14="http://schemas.microsoft.com/office/powerpoint/2010/main" val="2650567837"/>
+                <p14:modId xmlns:p14="http://schemas.microsoft.com/office/powerpoint/2010/main" val="2333131865"/>
               </p:ext>
             </p:extLst>
           </p:nvPr>
@@ -7666,7 +7666,7 @@
                           <a:latin typeface="D2Coding" panose="020B0609020101020101" pitchFamily="49" charset="-127"/>
                           <a:ea typeface="D2Coding" panose="020B0609020101020101" pitchFamily="49" charset="-127"/>
                         </a:rPr>
-                        <a:t>Pros</a:t>
+                        <a:t>Advantages</a:t>
                       </a:r>
                     </a:p>
                   </a:txBody>
@@ -7773,7 +7773,7 @@
                           <a:latin typeface="D2Coding" panose="020B0609020101020101" pitchFamily="49" charset="-127"/>
                           <a:ea typeface="D2Coding" panose="020B0609020101020101" pitchFamily="49" charset="-127"/>
                         </a:rPr>
-                        <a:t>Cons </a:t>
+                        <a:t>Disadvantages </a:t>
                       </a:r>
                     </a:p>
                   </a:txBody>
@@ -7825,34 +7825,20 @@
                           <a:latin typeface="D2Coding" panose="020B0609020101020101" pitchFamily="49" charset="-127"/>
                           <a:ea typeface="D2Coding" panose="020B0609020101020101" pitchFamily="49" charset="-127"/>
                         </a:rPr>
-                        <a:t>Low computational efficiency due to the exhaustive </a:t>
-                      </a:r>
-                      <a:r>
-                        <a:rPr lang="en-US">
-                          <a:latin typeface="D2Coding" panose="020B0609020101020101" pitchFamily="49" charset="-127"/>
-                          <a:ea typeface="D2Coding" panose="020B0609020101020101" pitchFamily="49" charset="-127"/>
-                        </a:rPr>
-                        <a:t>searching </a:t>
+                        <a:t>Low computational efficiency due to the exhaustive searching </a:t>
                       </a:r>
                       <a:br>
-                        <a:rPr lang="en-US">
+                        <a:rPr lang="en-US" dirty="0">
                           <a:latin typeface="D2Coding" panose="020B0609020101020101" pitchFamily="49" charset="-127"/>
                           <a:ea typeface="D2Coding" panose="020B0609020101020101" pitchFamily="49" charset="-127"/>
                         </a:rPr>
                       </a:br>
                       <a:r>
-                        <a:rPr lang="en-US">
-                          <a:latin typeface="D2Coding" panose="020B0609020101020101" pitchFamily="49" charset="-127"/>
-                          <a:ea typeface="D2Coding" panose="020B0609020101020101" pitchFamily="49" charset="-127"/>
-                        </a:rPr>
-                        <a:t>algorithm</a:t>
-                      </a:r>
-                      <a:r>
                         <a:rPr lang="en-US" dirty="0">
                           <a:latin typeface="D2Coding" panose="020B0609020101020101" pitchFamily="49" charset="-127"/>
                           <a:ea typeface="D2Coding" panose="020B0609020101020101" pitchFamily="49" charset="-127"/>
                         </a:rPr>
-                        <a:t>.</a:t>
+                        <a:t>algorithm.</a:t>
                       </a:r>
                     </a:p>
                   </a:txBody>
@@ -7926,7 +7912,7 @@
           <p:nvPr>
             <p:extLst>
               <p:ext uri="{D42A27DB-BD31-4B8C-83A1-F6EECF244321}">
-                <p14:modId xmlns:p14="http://schemas.microsoft.com/office/powerpoint/2010/main" val="1489280313"/>
+                <p14:modId xmlns:p14="http://schemas.microsoft.com/office/powerpoint/2010/main" val="2246005241"/>
               </p:ext>
             </p:extLst>
           </p:nvPr>
@@ -8008,7 +7994,20 @@
                           <a:latin typeface="D2Coding" panose="020B0609020101020101" pitchFamily="49" charset="-127"/>
                           <a:ea typeface="D2Coding" panose="020B0609020101020101" pitchFamily="49" charset="-127"/>
                         </a:rPr>
-                        <a:t>Use a NNs classifier for identifying the relevant constraints at the optimal.</a:t>
+                        <a:t>Use a NNs classifier for identifying the relevant constraints at the </a:t>
+                      </a:r>
+                      <a:br>
+                        <a:rPr lang="en-US" dirty="0">
+                          <a:latin typeface="D2Coding" panose="020B0609020101020101" pitchFamily="49" charset="-127"/>
+                          <a:ea typeface="D2Coding" panose="020B0609020101020101" pitchFamily="49" charset="-127"/>
+                        </a:rPr>
+                      </a:br>
+                      <a:r>
+                        <a:rPr lang="en-US" dirty="0">
+                          <a:latin typeface="D2Coding" panose="020B0609020101020101" pitchFamily="49" charset="-127"/>
+                          <a:ea typeface="D2Coding" panose="020B0609020101020101" pitchFamily="49" charset="-127"/>
+                        </a:rPr>
+                        <a:t>optimal.</a:t>
                       </a:r>
                     </a:p>
                     <a:p>

--- a/report/presentation.pptx
+++ b/report/presentation.pptx
@@ -3638,7 +3638,7 @@
                 <a:latin typeface="D2Coding" panose="020B0609020101020101" pitchFamily="49" charset="-127"/>
                 <a:ea typeface="D2Coding" panose="020B0609020101020101" pitchFamily="49" charset="-127"/>
               </a:rPr>
-              <a:t>Observation of the change of accuracy according to the number of layers of fully connected layers (FCN).</a:t>
+              <a:t>Observation of the change of accuracy according to the number of layers of fully connected (FCN) layers.</a:t>
             </a:r>
           </a:p>
           <a:p>
@@ -7509,7 +7509,7 @@
             <p:ph idx="1"/>
             <p:extLst>
               <p:ext uri="{D42A27DB-BD31-4B8C-83A1-F6EECF244321}">
-                <p14:modId xmlns:p14="http://schemas.microsoft.com/office/powerpoint/2010/main" val="2333131865"/>
+                <p14:modId xmlns:p14="http://schemas.microsoft.com/office/powerpoint/2010/main" val="2490071634"/>
               </p:ext>
             </p:extLst>
           </p:nvPr>
@@ -7638,6 +7638,24 @@
                         </a:rPr>
                         <a:t>Ensemble control policy</a:t>
                       </a:r>
+                      <a:r>
+                        <a:rPr lang="ko-KR" altLang="en-US" b="1" dirty="0">
+                          <a:latin typeface="D2Coding" panose="020B0609020101020101" pitchFamily="49" charset="-127"/>
+                          <a:ea typeface="D2Coding" panose="020B0609020101020101" pitchFamily="49" charset="-127"/>
+                        </a:rPr>
+                        <a:t> </a:t>
+                      </a:r>
+                      <a:r>
+                        <a:rPr lang="en-US" altLang="ko-KR" b="1" dirty="0">
+                          <a:latin typeface="D2Coding" panose="020B0609020101020101" pitchFamily="49" charset="-127"/>
+                          <a:ea typeface="D2Coding" panose="020B0609020101020101" pitchFamily="49" charset="-127"/>
+                        </a:rPr>
+                        <a:t>[6][7]</a:t>
+                      </a:r>
+                      <a:endParaRPr lang="en-US" b="1" dirty="0">
+                        <a:latin typeface="D2Coding" panose="020B0609020101020101" pitchFamily="49" charset="-127"/>
+                        <a:ea typeface="D2Coding" panose="020B0609020101020101" pitchFamily="49" charset="-127"/>
+                      </a:endParaRPr>
                     </a:p>
                   </a:txBody>
                   <a:tcPr anchor="ctr">
@@ -7799,7 +7817,20 @@
                           <a:latin typeface="D2Coding" panose="020B0609020101020101" pitchFamily="49" charset="-127"/>
                           <a:ea typeface="D2Coding" panose="020B0609020101020101" pitchFamily="49" charset="-127"/>
                         </a:rPr>
-                        <a:t>Low performance when the size of training data is not large enough.</a:t>
+                        <a:t>Low performance when the size of training data is not large </a:t>
+                      </a:r>
+                      <a:br>
+                        <a:rPr lang="en-US" dirty="0">
+                          <a:latin typeface="D2Coding" panose="020B0609020101020101" pitchFamily="49" charset="-127"/>
+                          <a:ea typeface="D2Coding" panose="020B0609020101020101" pitchFamily="49" charset="-127"/>
+                        </a:rPr>
+                      </a:br>
+                      <a:r>
+                        <a:rPr lang="en-US" dirty="0">
+                          <a:latin typeface="D2Coding" panose="020B0609020101020101" pitchFamily="49" charset="-127"/>
+                          <a:ea typeface="D2Coding" panose="020B0609020101020101" pitchFamily="49" charset="-127"/>
+                        </a:rPr>
+                        <a:t>enough.</a:t>
                       </a:r>
                     </a:p>
                   </a:txBody>
@@ -7912,7 +7943,7 @@
           <p:nvPr>
             <p:extLst>
               <p:ext uri="{D42A27DB-BD31-4B8C-83A1-F6EECF244321}">
-                <p14:modId xmlns:p14="http://schemas.microsoft.com/office/powerpoint/2010/main" val="2246005241"/>
+                <p14:modId xmlns:p14="http://schemas.microsoft.com/office/powerpoint/2010/main" val="784066204"/>
               </p:ext>
             </p:extLst>
           </p:nvPr>
@@ -7970,6 +8001,30 @@
                         </a:rPr>
                         <a:t>Method</a:t>
                       </a:r>
+                      <a:r>
+                        <a:rPr lang="ko-KR" altLang="en-US" b="1" dirty="0">
+                          <a:latin typeface="D2Coding" panose="020B0609020101020101" pitchFamily="49" charset="-127"/>
+                          <a:ea typeface="D2Coding" panose="020B0609020101020101" pitchFamily="49" charset="-127"/>
+                        </a:rPr>
+                        <a:t> </a:t>
+                      </a:r>
+                      <a:br>
+                        <a:rPr lang="en-US" altLang="ko-KR" b="1" dirty="0">
+                          <a:latin typeface="D2Coding" panose="020B0609020101020101" pitchFamily="49" charset="-127"/>
+                          <a:ea typeface="D2Coding" panose="020B0609020101020101" pitchFamily="49" charset="-127"/>
+                        </a:rPr>
+                      </a:br>
+                      <a:r>
+                        <a:rPr lang="en-US" altLang="ko-KR" b="1" dirty="0">
+                          <a:latin typeface="D2Coding" panose="020B0609020101020101" pitchFamily="49" charset="-127"/>
+                          <a:ea typeface="D2Coding" panose="020B0609020101020101" pitchFamily="49" charset="-127"/>
+                        </a:rPr>
+                        <a:t>[1]</a:t>
+                      </a:r>
+                      <a:endParaRPr lang="en-US" b="1" dirty="0">
+                        <a:latin typeface="D2Coding" panose="020B0609020101020101" pitchFamily="49" charset="-127"/>
+                        <a:ea typeface="D2Coding" panose="020B0609020101020101" pitchFamily="49" charset="-127"/>
+                      </a:endParaRPr>
                     </a:p>
                   </a:txBody>
                   <a:tcPr anchor="ctr">
